--- a/20170218/RichardCook_SeaHUGAgenda_20170218.pptx
+++ b/20170218/RichardCook_SeaHUGAgenda_20170218.pptx
@@ -3071,15 +3071,7 @@
           <a:p>
             <a:r>
               <a:rPr lang="en-US" dirty="0" smtClean="0"/>
-              <a:t>Agenda </a:t>
-            </a:r>
-            <a:r>
-              <a:rPr lang="en-US" dirty="0" smtClean="0"/>
-              <a:t>for 18 February </a:t>
-            </a:r>
-            <a:r>
-              <a:rPr lang="en-US" dirty="0" smtClean="0"/>
-              <a:t>2017 meeting</a:t>
+              <a:t>Agenda for 18 February 2017 meeting</a:t>
             </a:r>
             <a:endParaRPr lang="en-US" dirty="0"/>
           </a:p>
@@ -3215,11 +3207,7 @@
             </a:r>
             <a:r>
               <a:rPr lang="en-US" dirty="0" smtClean="0"/>
-              <a:t> </a:t>
-            </a:r>
-            <a:r>
-              <a:rPr lang="en-US" dirty="0" smtClean="0"/>
-              <a:t>2017</a:t>
+              <a:t> 2017</a:t>
             </a:r>
           </a:p>
           <a:p>
@@ -3228,7 +3216,6 @@
               <a:rPr lang="en-US" dirty="0" smtClean="0"/>
               <a:t>Note the different venue, one block from where the last course took place</a:t>
             </a:r>
-            <a:endParaRPr lang="en-US" dirty="0" smtClean="0"/>
           </a:p>
         </p:txBody>
       </p:sp>

--- a/20170218/RichardCook_SeaHUGAgenda_20170218.pptx
+++ b/20170218/RichardCook_SeaHUGAgenda_20170218.pptx
@@ -243,7 +243,7 @@
           <a:p>
             <a:fld id="{F1FA7AC5-6045-4418-8E60-F48788734473}" type="datetimeFigureOut">
               <a:rPr lang="en-US" smtClean="0"/>
-              <a:t>2/18/17</a:t>
+              <a:t>3/18/17</a:t>
             </a:fld>
             <a:endParaRPr lang="en-US"/>
           </a:p>
@@ -449,7 +449,7 @@
           <a:p>
             <a:fld id="{F1FA7AC5-6045-4418-8E60-F48788734473}" type="datetimeFigureOut">
               <a:rPr lang="en-US" smtClean="0"/>
-              <a:t>2/18/17</a:t>
+              <a:t>3/18/17</a:t>
             </a:fld>
             <a:endParaRPr lang="en-US"/>
           </a:p>
@@ -627,7 +627,7 @@
           <a:p>
             <a:fld id="{F1FA7AC5-6045-4418-8E60-F48788734473}" type="datetimeFigureOut">
               <a:rPr lang="en-US" smtClean="0"/>
-              <a:t>2/18/17</a:t>
+              <a:t>3/18/17</a:t>
             </a:fld>
             <a:endParaRPr lang="en-US"/>
           </a:p>
@@ -795,7 +795,7 @@
           <a:p>
             <a:fld id="{F1FA7AC5-6045-4418-8E60-F48788734473}" type="datetimeFigureOut">
               <a:rPr lang="en-US" smtClean="0"/>
-              <a:t>2/18/17</a:t>
+              <a:t>3/18/17</a:t>
             </a:fld>
             <a:endParaRPr lang="en-US"/>
           </a:p>
@@ -1078,7 +1078,7 @@
           <a:p>
             <a:fld id="{F1FA7AC5-6045-4418-8E60-F48788734473}" type="datetimeFigureOut">
               <a:rPr lang="en-US" smtClean="0"/>
-              <a:t>2/18/17</a:t>
+              <a:t>3/18/17</a:t>
             </a:fld>
             <a:endParaRPr lang="en-US"/>
           </a:p>
@@ -1307,7 +1307,7 @@
           <a:p>
             <a:fld id="{F1FA7AC5-6045-4418-8E60-F48788734473}" type="datetimeFigureOut">
               <a:rPr lang="en-US" smtClean="0"/>
-              <a:t>2/18/17</a:t>
+              <a:t>3/18/17</a:t>
             </a:fld>
             <a:endParaRPr lang="en-US"/>
           </a:p>
@@ -1671,7 +1671,7 @@
           <a:p>
             <a:fld id="{F1FA7AC5-6045-4418-8E60-F48788734473}" type="datetimeFigureOut">
               <a:rPr lang="en-US" smtClean="0"/>
-              <a:t>2/18/17</a:t>
+              <a:t>3/18/17</a:t>
             </a:fld>
             <a:endParaRPr lang="en-US"/>
           </a:p>
@@ -1788,7 +1788,7 @@
           <a:p>
             <a:fld id="{F1FA7AC5-6045-4418-8E60-F48788734473}" type="datetimeFigureOut">
               <a:rPr lang="en-US" smtClean="0"/>
-              <a:t>2/18/17</a:t>
+              <a:t>3/18/17</a:t>
             </a:fld>
             <a:endParaRPr lang="en-US"/>
           </a:p>
@@ -1883,7 +1883,7 @@
           <a:p>
             <a:fld id="{F1FA7AC5-6045-4418-8E60-F48788734473}" type="datetimeFigureOut">
               <a:rPr lang="en-US" smtClean="0"/>
-              <a:t>2/18/17</a:t>
+              <a:t>3/18/17</a:t>
             </a:fld>
             <a:endParaRPr lang="en-US"/>
           </a:p>
@@ -2158,7 +2158,7 @@
           <a:p>
             <a:fld id="{F1FA7AC5-6045-4418-8E60-F48788734473}" type="datetimeFigureOut">
               <a:rPr lang="en-US" smtClean="0"/>
-              <a:t>2/18/17</a:t>
+              <a:t>3/18/17</a:t>
             </a:fld>
             <a:endParaRPr lang="en-US"/>
           </a:p>
@@ -2410,7 +2410,7 @@
           <a:p>
             <a:fld id="{F1FA7AC5-6045-4418-8E60-F48788734473}" type="datetimeFigureOut">
               <a:rPr lang="en-US" smtClean="0"/>
-              <a:t>2/18/17</a:t>
+              <a:t>3/18/17</a:t>
             </a:fld>
             <a:endParaRPr lang="en-US"/>
           </a:p>
@@ -2621,7 +2621,7 @@
           <a:p>
             <a:fld id="{F1FA7AC5-6045-4418-8E60-F48788734473}" type="datetimeFigureOut">
               <a:rPr lang="en-US" smtClean="0"/>
-              <a:t>2/18/17</a:t>
+              <a:t>3/18/17</a:t>
             </a:fld>
             <a:endParaRPr lang="en-US"/>
           </a:p>
@@ -3198,16 +3198,16 @@
               <a:t>on </a:t>
             </a:r>
             <a:r>
+              <a:rPr lang="en-US" smtClean="0"/>
+              <a:t>15 </a:t>
+            </a:r>
+            <a:r>
+              <a:rPr lang="en-US" smtClean="0"/>
+              <a:t>February </a:t>
+            </a:r>
+            <a:r>
               <a:rPr lang="en-US" dirty="0" smtClean="0"/>
-              <a:t>15 </a:t>
-            </a:r>
-            <a:r>
-              <a:rPr lang="en-US" dirty="0" err="1" smtClean="0"/>
-              <a:t>Feburary</a:t>
-            </a:r>
-            <a:r>
-              <a:rPr lang="en-US" dirty="0" smtClean="0"/>
-              <a:t> 2017</a:t>
+              <a:t>2017</a:t>
             </a:r>
           </a:p>
           <a:p>
